--- a/Documents/presentatie UNO.pptx
+++ b/Documents/presentatie UNO.pptx
@@ -6,20 +6,22 @@
     <p:sldMasterId id="2147483694" r:id="rId2"/>
   </p:sldMasterIdLst>
   <p:notesMasterIdLst>
-    <p:notesMasterId r:id="rId11"/>
+    <p:notesMasterId r:id="rId13"/>
   </p:notesMasterIdLst>
   <p:handoutMasterIdLst>
-    <p:handoutMasterId r:id="rId12"/>
+    <p:handoutMasterId r:id="rId14"/>
   </p:handoutMasterIdLst>
   <p:sldIdLst>
     <p:sldId id="261" r:id="rId3"/>
     <p:sldId id="262" r:id="rId4"/>
     <p:sldId id="263" r:id="rId5"/>
-    <p:sldId id="264" r:id="rId6"/>
-    <p:sldId id="265" r:id="rId7"/>
-    <p:sldId id="266" r:id="rId8"/>
-    <p:sldId id="267" r:id="rId9"/>
-    <p:sldId id="268" r:id="rId10"/>
+    <p:sldId id="270" r:id="rId6"/>
+    <p:sldId id="264" r:id="rId7"/>
+    <p:sldId id="265" r:id="rId8"/>
+    <p:sldId id="271" r:id="rId9"/>
+    <p:sldId id="267" r:id="rId10"/>
+    <p:sldId id="272" r:id="rId11"/>
+    <p:sldId id="268" r:id="rId12"/>
   </p:sldIdLst>
   <p:sldSz cx="12192000" cy="6858000"/>
   <p:notesSz cx="6858000" cy="9144000"/>
@@ -211,7 +213,7 @@
           <a:p>
             <a:fld id="{8F591CCF-F6FD-734B-854A-5BC033593B1E}" type="datetimeFigureOut">
               <a:rPr lang="nl-NL" smtClean="0"/>
-              <a:t>29-8-2018</a:t>
+              <a:t>30-8-2018</a:t>
             </a:fld>
             <a:endParaRPr lang="nl-NL"/>
           </a:p>
@@ -376,7 +378,7 @@
           <a:p>
             <a:fld id="{23C66214-DB21-4647-B5DA-0D17CA592867}" type="datetimeFigureOut">
               <a:rPr lang="nl-NL" smtClean="0"/>
-              <a:t>29-8-2018</a:t>
+              <a:t>30-8-2018</a:t>
             </a:fld>
             <a:endParaRPr lang="nl-NL"/>
           </a:p>
@@ -1365,7 +1367,7 @@
           <a:p>
             <a:fld id="{990E9E13-F4E8-4DD4-B9AF-6C7AE53C44E3}" type="datetime1">
               <a:rPr lang="nl-BE" smtClean="0"/>
-              <a:t>29/08/2018</a:t>
+              <a:t>30/08/2018</a:t>
             </a:fld>
             <a:endParaRPr lang="nl-NL"/>
           </a:p>
@@ -1649,7 +1651,7 @@
           <a:p>
             <a:fld id="{B39E2DB2-D187-4276-907A-5A89D36E488A}" type="datetime1">
               <a:rPr lang="nl-BE" smtClean="0"/>
-              <a:t>29/08/2018</a:t>
+              <a:t>30/08/2018</a:t>
             </a:fld>
             <a:endParaRPr lang="nl-NL"/>
           </a:p>
@@ -1980,7 +1982,7 @@
           <a:p>
             <a:fld id="{70800440-133A-4AC0-91A3-E35B13BC136C}" type="datetime1">
               <a:rPr lang="nl-BE" smtClean="0"/>
-              <a:t>29/08/2018</a:t>
+              <a:t>30/08/2018</a:t>
             </a:fld>
             <a:endParaRPr lang="nl-NL"/>
           </a:p>
@@ -2300,7 +2302,7 @@
           <a:p>
             <a:fld id="{C912D7FB-178C-432B-A2E1-B8094AA682DD}" type="datetime1">
               <a:rPr lang="nl-BE" smtClean="0"/>
-              <a:t>29/08/2018</a:t>
+              <a:t>30/08/2018</a:t>
             </a:fld>
             <a:endParaRPr lang="nl-NL" dirty="0"/>
           </a:p>
@@ -2622,7 +2624,7 @@
           <a:p>
             <a:fld id="{9B618AB1-74F5-4B8A-83BD-F9AC406AE6BB}" type="datetime1">
               <a:rPr lang="nl-BE" smtClean="0"/>
-              <a:t>29/08/2018</a:t>
+              <a:t>30/08/2018</a:t>
             </a:fld>
             <a:endParaRPr lang="nl-NL" dirty="0"/>
           </a:p>
@@ -2765,7 +2767,7 @@
           <a:p>
             <a:fld id="{6CC3588E-19F5-4EBE-A336-1031D2FE9769}" type="datetime1">
               <a:rPr lang="nl-BE" smtClean="0"/>
-              <a:t>29/08/2018</a:t>
+              <a:t>30/08/2018</a:t>
             </a:fld>
             <a:endParaRPr lang="nl-NL"/>
           </a:p>
@@ -3250,7 +3252,7 @@
           <a:p>
             <a:fld id="{56FBACB6-27DE-41A4-879B-D05408F996F3}" type="datetime1">
               <a:rPr lang="nl-BE" smtClean="0"/>
-              <a:t>29/08/2018</a:t>
+              <a:t>30/08/2018</a:t>
             </a:fld>
             <a:endParaRPr lang="nl-NL" dirty="0"/>
           </a:p>
@@ -3372,7 +3374,7 @@
           <a:p>
             <a:fld id="{FB9ED3D6-0B96-4ABF-BF28-EBF13B3F1A5D}" type="datetime1">
               <a:rPr lang="nl-BE" smtClean="0"/>
-              <a:t>29/08/2018</a:t>
+              <a:t>30/08/2018</a:t>
             </a:fld>
             <a:endParaRPr lang="nl-NL"/>
           </a:p>
@@ -3494,7 +3496,7 @@
           <a:p>
             <a:fld id="{FFDAA7C8-A2D4-44FA-94AB-7E5DA38FC780}" type="datetime1">
               <a:rPr lang="nl-BE" smtClean="0"/>
-              <a:t>29/08/2018</a:t>
+              <a:t>30/08/2018</a:t>
             </a:fld>
             <a:endParaRPr lang="nl-NL"/>
           </a:p>
@@ -3677,7 +3679,7 @@
           <a:p>
             <a:fld id="{642B3970-CFF2-47B7-AE2E-1DC3DDD8CC65}" type="datetime1">
               <a:rPr lang="nl-BE" smtClean="0"/>
-              <a:t>29/08/2018</a:t>
+              <a:t>30/08/2018</a:t>
             </a:fld>
             <a:endParaRPr lang="nl-NL" dirty="0"/>
           </a:p>
@@ -3962,7 +3964,7 @@
           <a:p>
             <a:fld id="{90FA491C-3044-41F5-B9C2-B3DA45154B45}" type="datetime1">
               <a:rPr lang="nl-BE" smtClean="0"/>
-              <a:t>29/08/2018</a:t>
+              <a:t>30/08/2018</a:t>
             </a:fld>
             <a:endParaRPr lang="nl-NL" dirty="0"/>
           </a:p>
@@ -4603,7 +4605,7 @@
           <a:p>
             <a:fld id="{87E32C6F-91D0-4EE4-B8E4-23037FC0F106}" type="datetime1">
               <a:rPr lang="nl-BE" smtClean="0"/>
-              <a:t>29/08/2018</a:t>
+              <a:t>30/08/2018</a:t>
             </a:fld>
             <a:endParaRPr lang="nl-NL" dirty="0"/>
           </a:p>
@@ -5105,6 +5107,70 @@
 </p:sld>
 </file>
 
+<file path=ppt/slides/slide10.xml><?xml version="1.0" encoding="utf-8"?>
+<p:sld xmlns:a="http://schemas.openxmlformats.org/drawingml/2006/main" xmlns:r="http://schemas.openxmlformats.org/officeDocument/2006/relationships" xmlns:p="http://schemas.openxmlformats.org/presentationml/2006/main">
+  <p:cSld>
+    <p:spTree>
+      <p:nvGrpSpPr>
+        <p:cNvPr id="1" name=""/>
+        <p:cNvGrpSpPr/>
+        <p:nvPr/>
+      </p:nvGrpSpPr>
+      <p:grpSpPr>
+        <a:xfrm>
+          <a:off x="0" y="0"/>
+          <a:ext cx="0" cy="0"/>
+          <a:chOff x="0" y="0"/>
+          <a:chExt cx="0" cy="0"/>
+        </a:xfrm>
+      </p:grpSpPr>
+      <p:sp>
+        <p:nvSpPr>
+          <p:cNvPr id="2" name="Titel 1">
+            <a:extLst>
+              <a:ext uri="{FF2B5EF4-FFF2-40B4-BE49-F238E27FC236}">
+                <a16:creationId xmlns:a16="http://schemas.microsoft.com/office/drawing/2014/main" id="{36805B02-4228-4A56-95DF-4CDA8054DE91}"/>
+              </a:ext>
+            </a:extLst>
+          </p:cNvPr>
+          <p:cNvSpPr>
+            <a:spLocks noGrp="1"/>
+          </p:cNvSpPr>
+          <p:nvPr>
+            <p:ph type="ctrTitle"/>
+          </p:nvPr>
+        </p:nvSpPr>
+        <p:spPr>
+          <a:xfrm>
+            <a:off x="575999" y="1080000"/>
+            <a:ext cx="6096524" cy="4024798"/>
+          </a:xfrm>
+        </p:spPr>
+        <p:txBody>
+          <a:bodyPr/>
+          <a:lstStyle/>
+          <a:p>
+            <a:r>
+              <a:rPr lang="nl-BE"/>
+              <a:t>DEMO</a:t>
+            </a:r>
+            <a:endParaRPr lang="nl-BE" dirty="0"/>
+          </a:p>
+        </p:txBody>
+      </p:sp>
+    </p:spTree>
+    <p:extLst>
+      <p:ext uri="{BB962C8B-B14F-4D97-AF65-F5344CB8AC3E}">
+        <p14:creationId xmlns:p14="http://schemas.microsoft.com/office/powerpoint/2010/main" val="4036357284"/>
+      </p:ext>
+    </p:extLst>
+  </p:cSld>
+  <p:clrMapOvr>
+    <a:masterClrMapping/>
+  </p:clrMapOvr>
+</p:sld>
+</file>
+
 <file path=ppt/slides/slide2.xml><?xml version="1.0" encoding="utf-8"?>
 <p:sld xmlns:a="http://schemas.openxmlformats.org/drawingml/2006/main" xmlns:r="http://schemas.openxmlformats.org/officeDocument/2006/relationships" xmlns:p="http://schemas.openxmlformats.org/presentationml/2006/main">
   <p:cSld>
@@ -5346,7 +5412,62 @@
           <a:bodyPr/>
           <a:lstStyle/>
           <a:p>
+            <a:r>
+              <a:rPr lang="nl-BE" dirty="0" err="1"/>
+              <a:t>Dispatcher</a:t>
+            </a:r>
             <a:endParaRPr lang="nl-BE" dirty="0"/>
+          </a:p>
+          <a:p>
+            <a:pPr lvl="1"/>
+            <a:r>
+              <a:rPr lang="nl-BE" dirty="0"/>
+              <a:t>Opstarten van </a:t>
+            </a:r>
+            <a:r>
+              <a:rPr lang="nl-BE" dirty="0" err="1"/>
+              <a:t>ApplicatieServers</a:t>
+            </a:r>
+            <a:r>
+              <a:rPr lang="nl-BE" dirty="0"/>
+              <a:t> en </a:t>
+            </a:r>
+            <a:r>
+              <a:rPr lang="nl-BE" dirty="0" err="1"/>
+              <a:t>DatabankServers</a:t>
+            </a:r>
+            <a:endParaRPr lang="nl-BE" dirty="0"/>
+          </a:p>
+          <a:p>
+            <a:pPr lvl="1"/>
+            <a:r>
+              <a:rPr lang="nl-BE" dirty="0"/>
+              <a:t>Verdelen van de load over de verschillende servers</a:t>
+            </a:r>
+          </a:p>
+          <a:p>
+            <a:endParaRPr lang="nl-BE" dirty="0"/>
+          </a:p>
+          <a:p>
+            <a:r>
+              <a:rPr lang="nl-BE" dirty="0" err="1"/>
+              <a:t>ApplicatieServer</a:t>
+            </a:r>
+            <a:endParaRPr lang="nl-BE" dirty="0"/>
+          </a:p>
+          <a:p>
+            <a:pPr lvl="1"/>
+            <a:r>
+              <a:rPr lang="nl-BE" dirty="0"/>
+              <a:t>Gamelogic</a:t>
+            </a:r>
+          </a:p>
+          <a:p>
+            <a:pPr lvl="1"/>
+            <a:r>
+              <a:rPr lang="nl-BE" dirty="0"/>
+              <a:t>Uitvoeren van het spel</a:t>
+            </a:r>
           </a:p>
         </p:txBody>
       </p:sp>
@@ -5468,6 +5589,188 @@
       </p:grpSpPr>
       <p:sp>
         <p:nvSpPr>
+          <p:cNvPr id="2" name="Tijdelijke aanduiding voor inhoud 1">
+            <a:extLst>
+              <a:ext uri="{FF2B5EF4-FFF2-40B4-BE49-F238E27FC236}">
+                <a16:creationId xmlns:a16="http://schemas.microsoft.com/office/drawing/2014/main" id="{4336A046-AAF7-4F9B-9E70-E2574B10C741}"/>
+              </a:ext>
+            </a:extLst>
+          </p:cNvPr>
+          <p:cNvSpPr>
+            <a:spLocks noGrp="1"/>
+          </p:cNvSpPr>
+          <p:nvPr>
+            <p:ph idx="1"/>
+          </p:nvPr>
+        </p:nvSpPr>
+        <p:spPr/>
+        <p:txBody>
+          <a:bodyPr/>
+          <a:lstStyle/>
+          <a:p>
+            <a:r>
+              <a:rPr lang="nl-BE" dirty="0" err="1"/>
+              <a:t>DatabaseServer</a:t>
+            </a:r>
+            <a:endParaRPr lang="nl-BE" dirty="0"/>
+          </a:p>
+          <a:p>
+            <a:pPr lvl="1"/>
+            <a:r>
+              <a:rPr lang="nl-BE" dirty="0"/>
+              <a:t>Beheren van een databank</a:t>
+            </a:r>
+          </a:p>
+          <a:p>
+            <a:pPr lvl="1"/>
+            <a:r>
+              <a:rPr lang="nl-BE" dirty="0"/>
+              <a:t>Replicatie met andere databankservers</a:t>
+            </a:r>
+          </a:p>
+          <a:p>
+            <a:endParaRPr lang="nl-BE" dirty="0"/>
+          </a:p>
+          <a:p>
+            <a:r>
+              <a:rPr lang="nl-BE" dirty="0"/>
+              <a:t>Client</a:t>
+            </a:r>
+          </a:p>
+          <a:p>
+            <a:pPr lvl="1"/>
+            <a:r>
+              <a:rPr lang="nl-BE" dirty="0"/>
+              <a:t>Inloggen/registreren</a:t>
+            </a:r>
+          </a:p>
+          <a:p>
+            <a:pPr lvl="1"/>
+            <a:r>
+              <a:rPr lang="nl-BE" dirty="0"/>
+              <a:t>Spellen aanmaken/spelen</a:t>
+            </a:r>
+          </a:p>
+        </p:txBody>
+      </p:sp>
+      <p:sp>
+        <p:nvSpPr>
+          <p:cNvPr id="3" name="Tijdelijke aanduiding voor voettekst 2">
+            <a:extLst>
+              <a:ext uri="{FF2B5EF4-FFF2-40B4-BE49-F238E27FC236}">
+                <a16:creationId xmlns:a16="http://schemas.microsoft.com/office/drawing/2014/main" id="{BB79C869-61F5-47D4-B0B4-0C2D0AC4CCFC}"/>
+              </a:ext>
+            </a:extLst>
+          </p:cNvPr>
+          <p:cNvSpPr>
+            <a:spLocks noGrp="1"/>
+          </p:cNvSpPr>
+          <p:nvPr>
+            <p:ph type="ftr" sz="quarter" idx="11"/>
+          </p:nvPr>
+        </p:nvSpPr>
+        <p:spPr/>
+        <p:txBody>
+          <a:bodyPr/>
+          <a:lstStyle/>
+          <a:p>
+            <a:r>
+              <a:rPr lang="nl-BE"/>
+              <a:t>Technologiecampus Gent, Faculteit Industriele Ingenieurswetenschappen</a:t>
+            </a:r>
+            <a:endParaRPr lang="nl-NL"/>
+          </a:p>
+        </p:txBody>
+      </p:sp>
+      <p:sp>
+        <p:nvSpPr>
+          <p:cNvPr id="4" name="Tijdelijke aanduiding voor dianummer 3">
+            <a:extLst>
+              <a:ext uri="{FF2B5EF4-FFF2-40B4-BE49-F238E27FC236}">
+                <a16:creationId xmlns:a16="http://schemas.microsoft.com/office/drawing/2014/main" id="{193F30D1-4A4D-410E-8A3D-40F6D988739F}"/>
+              </a:ext>
+            </a:extLst>
+          </p:cNvPr>
+          <p:cNvSpPr>
+            <a:spLocks noGrp="1"/>
+          </p:cNvSpPr>
+          <p:nvPr>
+            <p:ph type="sldNum" sz="quarter" idx="12"/>
+          </p:nvPr>
+        </p:nvSpPr>
+        <p:spPr/>
+        <p:txBody>
+          <a:bodyPr/>
+          <a:lstStyle/>
+          <a:p>
+            <a:fld id="{0A297500-7527-634B-90F4-69D0994C32B4}" type="slidenum">
+              <a:rPr lang="nl-NL" smtClean="0"/>
+              <a:t>4</a:t>
+            </a:fld>
+            <a:endParaRPr lang="nl-NL"/>
+          </a:p>
+        </p:txBody>
+      </p:sp>
+      <p:sp>
+        <p:nvSpPr>
+          <p:cNvPr id="5" name="Titel 4">
+            <a:extLst>
+              <a:ext uri="{FF2B5EF4-FFF2-40B4-BE49-F238E27FC236}">
+                <a16:creationId xmlns:a16="http://schemas.microsoft.com/office/drawing/2014/main" id="{2C88B9D2-EDEC-4737-81B5-83CEFA35F03B}"/>
+              </a:ext>
+            </a:extLst>
+          </p:cNvPr>
+          <p:cNvSpPr>
+            <a:spLocks noGrp="1"/>
+          </p:cNvSpPr>
+          <p:nvPr>
+            <p:ph type="title"/>
+          </p:nvPr>
+        </p:nvSpPr>
+        <p:spPr/>
+        <p:txBody>
+          <a:bodyPr/>
+          <a:lstStyle/>
+          <a:p>
+            <a:r>
+              <a:rPr lang="nl-BE" dirty="0"/>
+              <a:t>ARCHITECTUUR</a:t>
+            </a:r>
+          </a:p>
+        </p:txBody>
+      </p:sp>
+    </p:spTree>
+    <p:extLst>
+      <p:ext uri="{BB962C8B-B14F-4D97-AF65-F5344CB8AC3E}">
+        <p14:creationId xmlns:p14="http://schemas.microsoft.com/office/powerpoint/2010/main" val="3744071228"/>
+      </p:ext>
+    </p:extLst>
+  </p:cSld>
+  <p:clrMapOvr>
+    <a:masterClrMapping/>
+  </p:clrMapOvr>
+</p:sld>
+</file>
+
+<file path=ppt/slides/slide5.xml><?xml version="1.0" encoding="utf-8"?>
+<p:sld xmlns:a="http://schemas.openxmlformats.org/drawingml/2006/main" xmlns:r="http://schemas.openxmlformats.org/officeDocument/2006/relationships" xmlns:p="http://schemas.openxmlformats.org/presentationml/2006/main">
+  <p:cSld>
+    <p:spTree>
+      <p:nvGrpSpPr>
+        <p:cNvPr id="1" name=""/>
+        <p:cNvGrpSpPr/>
+        <p:nvPr/>
+      </p:nvGrpSpPr>
+      <p:grpSpPr>
+        <a:xfrm>
+          <a:off x="0" y="0"/>
+          <a:ext cx="0" cy="0"/>
+          <a:chOff x="0" y="0"/>
+          <a:chExt cx="0" cy="0"/>
+        </a:xfrm>
+      </p:grpSpPr>
+      <p:sp>
+        <p:nvSpPr>
           <p:cNvPr id="3" name="Tijdelijke aanduiding voor voettekst 2">
             <a:extLst>
               <a:ext uri="{FF2B5EF4-FFF2-40B4-BE49-F238E27FC236}">
@@ -5518,7 +5821,7 @@
           <a:p>
             <a:fld id="{0A297500-7527-634B-90F4-69D0994C32B4}" type="slidenum">
               <a:rPr lang="nl-NL" smtClean="0"/>
-              <a:t>4</a:t>
+              <a:t>5</a:t>
             </a:fld>
             <a:endParaRPr lang="nl-NL"/>
           </a:p>
@@ -5595,180 +5898,6 @@
 </p:sld>
 </file>
 
-<file path=ppt/slides/slide5.xml><?xml version="1.0" encoding="utf-8"?>
-<p:sld xmlns:a="http://schemas.openxmlformats.org/drawingml/2006/main" xmlns:r="http://schemas.openxmlformats.org/officeDocument/2006/relationships" xmlns:p="http://schemas.openxmlformats.org/presentationml/2006/main">
-  <p:cSld>
-    <p:spTree>
-      <p:nvGrpSpPr>
-        <p:cNvPr id="1" name=""/>
-        <p:cNvGrpSpPr/>
-        <p:nvPr/>
-      </p:nvGrpSpPr>
-      <p:grpSpPr>
-        <a:xfrm>
-          <a:off x="0" y="0"/>
-          <a:ext cx="0" cy="0"/>
-          <a:chOff x="0" y="0"/>
-          <a:chExt cx="0" cy="0"/>
-        </a:xfrm>
-      </p:grpSpPr>
-      <p:sp>
-        <p:nvSpPr>
-          <p:cNvPr id="2" name="Tijdelijke aanduiding voor inhoud 1">
-            <a:extLst>
-              <a:ext uri="{FF2B5EF4-FFF2-40B4-BE49-F238E27FC236}">
-                <a16:creationId xmlns:a16="http://schemas.microsoft.com/office/drawing/2014/main" id="{BE706847-897E-4EB5-9AB5-937A65E9AC55}"/>
-              </a:ext>
-            </a:extLst>
-          </p:cNvPr>
-          <p:cNvSpPr>
-            <a:spLocks noGrp="1"/>
-          </p:cNvSpPr>
-          <p:nvPr>
-            <p:ph idx="1"/>
-          </p:nvPr>
-        </p:nvSpPr>
-        <p:spPr/>
-        <p:txBody>
-          <a:bodyPr/>
-          <a:lstStyle/>
-          <a:p>
-            <a:r>
-              <a:rPr lang="nl-BE" dirty="0" err="1"/>
-              <a:t>Consitency</a:t>
-            </a:r>
-            <a:r>
-              <a:rPr lang="nl-BE" dirty="0"/>
-              <a:t> &amp; </a:t>
-            </a:r>
-            <a:r>
-              <a:rPr lang="nl-BE" dirty="0" err="1"/>
-              <a:t>replication</a:t>
-            </a:r>
-            <a:endParaRPr lang="nl-BE" dirty="0"/>
-          </a:p>
-          <a:p>
-            <a:r>
-              <a:rPr lang="nl-BE" dirty="0"/>
-              <a:t>Caching</a:t>
-            </a:r>
-          </a:p>
-          <a:p>
-            <a:r>
-              <a:rPr lang="nl-BE" dirty="0"/>
-              <a:t>Security</a:t>
-            </a:r>
-          </a:p>
-          <a:p>
-            <a:r>
-              <a:rPr lang="nl-BE" dirty="0"/>
-              <a:t>Recovery</a:t>
-            </a:r>
-          </a:p>
-          <a:p>
-            <a:endParaRPr lang="nl-BE" dirty="0"/>
-          </a:p>
-        </p:txBody>
-      </p:sp>
-      <p:sp>
-        <p:nvSpPr>
-          <p:cNvPr id="3" name="Tijdelijke aanduiding voor voettekst 2">
-            <a:extLst>
-              <a:ext uri="{FF2B5EF4-FFF2-40B4-BE49-F238E27FC236}">
-                <a16:creationId xmlns:a16="http://schemas.microsoft.com/office/drawing/2014/main" id="{821A678B-5829-479F-9A6D-D7AFFD2BEF92}"/>
-              </a:ext>
-            </a:extLst>
-          </p:cNvPr>
-          <p:cNvSpPr>
-            <a:spLocks noGrp="1"/>
-          </p:cNvSpPr>
-          <p:nvPr>
-            <p:ph type="ftr" sz="quarter" idx="11"/>
-          </p:nvPr>
-        </p:nvSpPr>
-        <p:spPr/>
-        <p:txBody>
-          <a:bodyPr/>
-          <a:lstStyle/>
-          <a:p>
-            <a:r>
-              <a:rPr lang="nl-BE"/>
-              <a:t>Technologiecampus Gent, Faculteit Industriele Ingenieurswetenschappen</a:t>
-            </a:r>
-            <a:endParaRPr lang="nl-NL"/>
-          </a:p>
-        </p:txBody>
-      </p:sp>
-      <p:sp>
-        <p:nvSpPr>
-          <p:cNvPr id="4" name="Tijdelijke aanduiding voor dianummer 3">
-            <a:extLst>
-              <a:ext uri="{FF2B5EF4-FFF2-40B4-BE49-F238E27FC236}">
-                <a16:creationId xmlns:a16="http://schemas.microsoft.com/office/drawing/2014/main" id="{CDCECCF5-A73C-4BFB-B36C-CBB44583B648}"/>
-              </a:ext>
-            </a:extLst>
-          </p:cNvPr>
-          <p:cNvSpPr>
-            <a:spLocks noGrp="1"/>
-          </p:cNvSpPr>
-          <p:nvPr>
-            <p:ph type="sldNum" sz="quarter" idx="12"/>
-          </p:nvPr>
-        </p:nvSpPr>
-        <p:spPr/>
-        <p:txBody>
-          <a:bodyPr/>
-          <a:lstStyle/>
-          <a:p>
-            <a:fld id="{0A297500-7527-634B-90F4-69D0994C32B4}" type="slidenum">
-              <a:rPr lang="nl-NL" smtClean="0"/>
-              <a:t>5</a:t>
-            </a:fld>
-            <a:endParaRPr lang="nl-NL"/>
-          </a:p>
-        </p:txBody>
-      </p:sp>
-      <p:sp>
-        <p:nvSpPr>
-          <p:cNvPr id="5" name="Titel 4">
-            <a:extLst>
-              <a:ext uri="{FF2B5EF4-FFF2-40B4-BE49-F238E27FC236}">
-                <a16:creationId xmlns:a16="http://schemas.microsoft.com/office/drawing/2014/main" id="{614DD4DF-5E73-46F9-A29E-14B55B5E855B}"/>
-              </a:ext>
-            </a:extLst>
-          </p:cNvPr>
-          <p:cNvSpPr>
-            <a:spLocks noGrp="1"/>
-          </p:cNvSpPr>
-          <p:nvPr>
-            <p:ph type="title"/>
-          </p:nvPr>
-        </p:nvSpPr>
-        <p:spPr/>
-        <p:txBody>
-          <a:bodyPr/>
-          <a:lstStyle/>
-          <a:p>
-            <a:r>
-              <a:rPr lang="nl-BE" dirty="0"/>
-              <a:t>ONTWERPBESLISSINGEN</a:t>
-            </a:r>
-          </a:p>
-        </p:txBody>
-      </p:sp>
-    </p:spTree>
-    <p:extLst>
-      <p:ext uri="{BB962C8B-B14F-4D97-AF65-F5344CB8AC3E}">
-        <p14:creationId xmlns:p14="http://schemas.microsoft.com/office/powerpoint/2010/main" val="595781931"/>
-      </p:ext>
-    </p:extLst>
-  </p:cSld>
-  <p:clrMapOvr>
-    <a:masterClrMapping/>
-  </p:clrMapOvr>
-</p:sld>
-</file>
-
 <file path=ppt/slides/slide6.xml><?xml version="1.0" encoding="utf-8"?>
 <p:sld xmlns:a="http://schemas.openxmlformats.org/drawingml/2006/main" xmlns:r="http://schemas.openxmlformats.org/officeDocument/2006/relationships" xmlns:p="http://schemas.openxmlformats.org/presentationml/2006/main">
   <p:cSld>
@@ -5791,7 +5920,7 @@
           <p:cNvPr id="2" name="Tijdelijke aanduiding voor inhoud 1">
             <a:extLst>
               <a:ext uri="{FF2B5EF4-FFF2-40B4-BE49-F238E27FC236}">
-                <a16:creationId xmlns:a16="http://schemas.microsoft.com/office/drawing/2014/main" id="{037BE2FD-8421-4963-95D1-07F338462012}"/>
+                <a16:creationId xmlns:a16="http://schemas.microsoft.com/office/drawing/2014/main" id="{BE706847-897E-4EB5-9AB5-937A65E9AC55}"/>
               </a:ext>
             </a:extLst>
           </p:cNvPr>
@@ -5809,26 +5938,70 @@
           <a:p>
             <a:r>
               <a:rPr lang="nl-BE" dirty="0" err="1"/>
-              <a:t>Dispatcher</a:t>
+              <a:t>Consitency</a:t>
+            </a:r>
+            <a:r>
+              <a:rPr lang="nl-BE" dirty="0"/>
+              <a:t> &amp; </a:t>
+            </a:r>
+            <a:r>
+              <a:rPr lang="nl-BE" dirty="0" err="1"/>
+              <a:t>replication</a:t>
             </a:r>
             <a:endParaRPr lang="nl-BE" dirty="0"/>
           </a:p>
           <a:p>
+            <a:pPr lvl="1"/>
+            <a:r>
+              <a:rPr lang="nl-BE" dirty="0"/>
+              <a:t>Databankservers </a:t>
+            </a:r>
+          </a:p>
+          <a:p>
+            <a:pPr lvl="1"/>
+            <a:r>
+              <a:rPr lang="nl-BE" dirty="0" err="1"/>
+              <a:t>Writes</a:t>
+            </a:r>
+            <a:r>
+              <a:rPr lang="nl-BE" dirty="0"/>
+              <a:t> propageren </a:t>
+            </a:r>
+          </a:p>
+          <a:p>
+            <a:pPr marL="457200" lvl="1" indent="0">
+              <a:buNone/>
+            </a:pPr>
             <a:endParaRPr lang="nl-BE" dirty="0"/>
           </a:p>
           <a:p>
             <a:r>
               <a:rPr lang="nl-BE" dirty="0"/>
-              <a:t>Application Server</a:t>
-            </a:r>
-          </a:p>
-          <a:p>
+              <a:t>Caching</a:t>
+            </a:r>
+          </a:p>
+          <a:p>
+            <a:pPr lvl="1"/>
             <a:r>
               <a:rPr lang="nl-BE" dirty="0"/>
-              <a:t>Database Server</a:t>
-            </a:r>
-          </a:p>
-          <a:p>
+              <a:t>Figuren bij de </a:t>
+            </a:r>
+            <a:r>
+              <a:rPr lang="nl-BE" dirty="0" err="1"/>
+              <a:t>client</a:t>
+            </a:r>
+            <a:endParaRPr lang="nl-BE" dirty="0"/>
+          </a:p>
+          <a:p>
+            <a:pPr lvl="1"/>
+            <a:r>
+              <a:rPr lang="nl-BE" dirty="0"/>
+              <a:t>Logica op </a:t>
+            </a:r>
+            <a:r>
+              <a:rPr lang="nl-BE" dirty="0" err="1"/>
+              <a:t>AppServer</a:t>
+            </a:r>
             <a:endParaRPr lang="nl-BE" dirty="0"/>
           </a:p>
         </p:txBody>
@@ -5838,7 +6011,7 @@
           <p:cNvPr id="3" name="Tijdelijke aanduiding voor voettekst 2">
             <a:extLst>
               <a:ext uri="{FF2B5EF4-FFF2-40B4-BE49-F238E27FC236}">
-                <a16:creationId xmlns:a16="http://schemas.microsoft.com/office/drawing/2014/main" id="{2D281B66-AAD6-44E0-9739-854E14AB2F25}"/>
+                <a16:creationId xmlns:a16="http://schemas.microsoft.com/office/drawing/2014/main" id="{821A678B-5829-479F-9A6D-D7AFFD2BEF92}"/>
               </a:ext>
             </a:extLst>
           </p:cNvPr>
@@ -5867,7 +6040,7 @@
           <p:cNvPr id="4" name="Tijdelijke aanduiding voor dianummer 3">
             <a:extLst>
               <a:ext uri="{FF2B5EF4-FFF2-40B4-BE49-F238E27FC236}">
-                <a16:creationId xmlns:a16="http://schemas.microsoft.com/office/drawing/2014/main" id="{094DDF5A-CE78-4AD9-BF89-69BE32573443}"/>
+                <a16:creationId xmlns:a16="http://schemas.microsoft.com/office/drawing/2014/main" id="{CDCECCF5-A73C-4BFB-B36C-CBB44583B648}"/>
               </a:ext>
             </a:extLst>
           </p:cNvPr>
@@ -5896,7 +6069,7 @@
           <p:cNvPr id="5" name="Titel 4">
             <a:extLst>
               <a:ext uri="{FF2B5EF4-FFF2-40B4-BE49-F238E27FC236}">
-                <a16:creationId xmlns:a16="http://schemas.microsoft.com/office/drawing/2014/main" id="{6E99FE2D-5AB6-4AAB-A63F-B43BD11ADC43}"/>
+                <a16:creationId xmlns:a16="http://schemas.microsoft.com/office/drawing/2014/main" id="{614DD4DF-5E73-46F9-A29E-14B55B5E855B}"/>
               </a:ext>
             </a:extLst>
           </p:cNvPr>
@@ -5913,17 +6086,16 @@
           <a:lstStyle/>
           <a:p>
             <a:r>
-              <a:rPr lang="nl-BE" dirty="0" err="1"/>
-              <a:t>API’s</a:t>
-            </a:r>
-            <a:endParaRPr lang="nl-BE" dirty="0"/>
+              <a:rPr lang="nl-BE" dirty="0"/>
+              <a:t>ONTWERPBESLISSINGEN</a:t>
+            </a:r>
           </a:p>
         </p:txBody>
       </p:sp>
     </p:spTree>
     <p:extLst>
       <p:ext uri="{BB962C8B-B14F-4D97-AF65-F5344CB8AC3E}">
-        <p14:creationId xmlns:p14="http://schemas.microsoft.com/office/powerpoint/2010/main" val="577433984"/>
+        <p14:creationId xmlns:p14="http://schemas.microsoft.com/office/powerpoint/2010/main" val="595781931"/>
       </p:ext>
     </p:extLst>
   </p:cSld>
@@ -5955,7 +6127,7 @@
           <p:cNvPr id="2" name="Tijdelijke aanduiding voor inhoud 1">
             <a:extLst>
               <a:ext uri="{FF2B5EF4-FFF2-40B4-BE49-F238E27FC236}">
-                <a16:creationId xmlns:a16="http://schemas.microsoft.com/office/drawing/2014/main" id="{B4547346-8989-4A37-B5F8-22E080A83D4C}"/>
+                <a16:creationId xmlns:a16="http://schemas.microsoft.com/office/drawing/2014/main" id="{4336A046-AAF7-4F9B-9E70-E2574B10C741}"/>
               </a:ext>
             </a:extLst>
           </p:cNvPr>
@@ -5971,7 +6143,49 @@
           <a:bodyPr/>
           <a:lstStyle/>
           <a:p>
-            <a:endParaRPr lang="nl-BE"/>
+            <a:r>
+              <a:rPr lang="nl-BE" dirty="0"/>
+              <a:t>Security</a:t>
+            </a:r>
+          </a:p>
+          <a:p>
+            <a:pPr lvl="1"/>
+            <a:r>
+              <a:rPr lang="nl-BE" dirty="0" err="1"/>
+              <a:t>BCrypt</a:t>
+            </a:r>
+            <a:endParaRPr lang="nl-BE" dirty="0"/>
+          </a:p>
+          <a:p>
+            <a:pPr lvl="1"/>
+            <a:r>
+              <a:rPr lang="nl-BE" dirty="0" err="1"/>
+              <a:t>SessionToken</a:t>
+            </a:r>
+            <a:endParaRPr lang="nl-BE" dirty="0"/>
+          </a:p>
+          <a:p>
+            <a:endParaRPr lang="nl-BE" dirty="0"/>
+          </a:p>
+          <a:p>
+            <a:r>
+              <a:rPr lang="nl-BE" dirty="0"/>
+              <a:t>Recovery</a:t>
+            </a:r>
+          </a:p>
+          <a:p>
+            <a:pPr lvl="1"/>
+            <a:r>
+              <a:rPr lang="nl-BE" dirty="0"/>
+              <a:t>Client recovery</a:t>
+            </a:r>
+          </a:p>
+          <a:p>
+            <a:pPr lvl="1"/>
+            <a:r>
+              <a:rPr lang="nl-BE" dirty="0"/>
+              <a:t>Database recovery</a:t>
+            </a:r>
           </a:p>
         </p:txBody>
       </p:sp>
@@ -5980,7 +6194,7 @@
           <p:cNvPr id="3" name="Tijdelijke aanduiding voor voettekst 2">
             <a:extLst>
               <a:ext uri="{FF2B5EF4-FFF2-40B4-BE49-F238E27FC236}">
-                <a16:creationId xmlns:a16="http://schemas.microsoft.com/office/drawing/2014/main" id="{5F2C7F21-2FF6-40FC-BCBB-DC97070F91D0}"/>
+                <a16:creationId xmlns:a16="http://schemas.microsoft.com/office/drawing/2014/main" id="{BB79C869-61F5-47D4-B0B4-0C2D0AC4CCFC}"/>
               </a:ext>
             </a:extLst>
           </p:cNvPr>
@@ -6009,7 +6223,7 @@
           <p:cNvPr id="4" name="Tijdelijke aanduiding voor dianummer 3">
             <a:extLst>
               <a:ext uri="{FF2B5EF4-FFF2-40B4-BE49-F238E27FC236}">
-                <a16:creationId xmlns:a16="http://schemas.microsoft.com/office/drawing/2014/main" id="{C3DDAD35-4FD7-4390-A23C-EF3821EE7AFA}"/>
+                <a16:creationId xmlns:a16="http://schemas.microsoft.com/office/drawing/2014/main" id="{193F30D1-4A4D-410E-8A3D-40F6D988739F}"/>
               </a:ext>
             </a:extLst>
           </p:cNvPr>
@@ -6038,7 +6252,7 @@
           <p:cNvPr id="5" name="Titel 4">
             <a:extLst>
               <a:ext uri="{FF2B5EF4-FFF2-40B4-BE49-F238E27FC236}">
-                <a16:creationId xmlns:a16="http://schemas.microsoft.com/office/drawing/2014/main" id="{80B79DFF-0F3D-4AA5-83C8-AF2487939DDB}"/>
+                <a16:creationId xmlns:a16="http://schemas.microsoft.com/office/drawing/2014/main" id="{2C88B9D2-EDEC-4737-81B5-83CEFA35F03B}"/>
               </a:ext>
             </a:extLst>
           </p:cNvPr>
@@ -6056,7 +6270,7 @@
           <a:p>
             <a:r>
               <a:rPr lang="nl-BE" dirty="0"/>
-              <a:t>REFLECTIE</a:t>
+              <a:t>ARCHITECTUUR</a:t>
             </a:r>
           </a:p>
         </p:txBody>
@@ -6064,7 +6278,7 @@
     </p:spTree>
     <p:extLst>
       <p:ext uri="{BB962C8B-B14F-4D97-AF65-F5344CB8AC3E}">
-        <p14:creationId xmlns:p14="http://schemas.microsoft.com/office/powerpoint/2010/main" val="2546369121"/>
+        <p14:creationId xmlns:p14="http://schemas.microsoft.com/office/powerpoint/2010/main" val="3226996118"/>
       </p:ext>
     </p:extLst>
   </p:cSld>
@@ -6093,10 +6307,10 @@
       </p:grpSpPr>
       <p:sp>
         <p:nvSpPr>
-          <p:cNvPr id="2" name="Titel 1">
+          <p:cNvPr id="2" name="Tijdelijke aanduiding voor inhoud 1">
             <a:extLst>
               <a:ext uri="{FF2B5EF4-FFF2-40B4-BE49-F238E27FC236}">
-                <a16:creationId xmlns:a16="http://schemas.microsoft.com/office/drawing/2014/main" id="{36805B02-4228-4A56-95DF-4CDA8054DE91}"/>
+                <a16:creationId xmlns:a16="http://schemas.microsoft.com/office/drawing/2014/main" id="{B4547346-8989-4A37-B5F8-22E080A83D4C}"/>
               </a:ext>
             </a:extLst>
           </p:cNvPr>
@@ -6104,31 +6318,343 @@
             <a:spLocks noGrp="1"/>
           </p:cNvSpPr>
           <p:nvPr>
-            <p:ph type="ctrTitle"/>
-          </p:nvPr>
-        </p:nvSpPr>
-        <p:spPr>
-          <a:xfrm>
-            <a:off x="575999" y="1080000"/>
-            <a:ext cx="6096524" cy="4024798"/>
-          </a:xfrm>
-        </p:spPr>
+            <p:ph idx="1"/>
+          </p:nvPr>
+        </p:nvSpPr>
+        <p:spPr/>
         <p:txBody>
           <a:bodyPr/>
           <a:lstStyle/>
           <a:p>
             <a:r>
+              <a:rPr lang="nl-BE" dirty="0"/>
+              <a:t>Pros</a:t>
+            </a:r>
+          </a:p>
+          <a:p>
+            <a:pPr lvl="1"/>
+            <a:r>
+              <a:rPr lang="nl-BE" dirty="0"/>
+              <a:t>Recovery voor </a:t>
+            </a:r>
+            <a:r>
+              <a:rPr lang="nl-BE" dirty="0" err="1"/>
+              <a:t>clients</a:t>
+            </a:r>
+            <a:r>
+              <a:rPr lang="nl-BE" dirty="0"/>
+              <a:t> en </a:t>
+            </a:r>
+            <a:r>
+              <a:rPr lang="nl-BE" dirty="0" err="1"/>
+              <a:t>databaseServers</a:t>
+            </a:r>
+            <a:endParaRPr lang="nl-BE" dirty="0"/>
+          </a:p>
+          <a:p>
+            <a:pPr lvl="1"/>
+            <a:r>
+              <a:rPr lang="nl-BE" dirty="0"/>
+              <a:t>Load-</a:t>
+            </a:r>
+            <a:r>
+              <a:rPr lang="nl-BE" dirty="0" err="1"/>
+              <a:t>balance</a:t>
+            </a:r>
+            <a:endParaRPr lang="nl-BE" dirty="0"/>
+          </a:p>
+          <a:p>
+            <a:pPr lvl="1"/>
+            <a:endParaRPr lang="nl-BE" dirty="0"/>
+          </a:p>
+          <a:p>
+            <a:r>
+              <a:rPr lang="nl-BE" dirty="0" err="1"/>
+              <a:t>Cons</a:t>
+            </a:r>
+            <a:r>
+              <a:rPr lang="nl-BE" dirty="0"/>
+              <a:t> </a:t>
+            </a:r>
+          </a:p>
+          <a:p>
+            <a:pPr lvl="1"/>
+            <a:r>
+              <a:rPr lang="nl-BE" dirty="0"/>
+              <a:t>Recovery voor </a:t>
+            </a:r>
+            <a:r>
+              <a:rPr lang="nl-BE" dirty="0" err="1"/>
+              <a:t>applicatieServers</a:t>
+            </a:r>
+            <a:endParaRPr lang="nl-BE" dirty="0"/>
+          </a:p>
+        </p:txBody>
+      </p:sp>
+      <p:sp>
+        <p:nvSpPr>
+          <p:cNvPr id="3" name="Tijdelijke aanduiding voor voettekst 2">
+            <a:extLst>
+              <a:ext uri="{FF2B5EF4-FFF2-40B4-BE49-F238E27FC236}">
+                <a16:creationId xmlns:a16="http://schemas.microsoft.com/office/drawing/2014/main" id="{5F2C7F21-2FF6-40FC-BCBB-DC97070F91D0}"/>
+              </a:ext>
+            </a:extLst>
+          </p:cNvPr>
+          <p:cNvSpPr>
+            <a:spLocks noGrp="1"/>
+          </p:cNvSpPr>
+          <p:nvPr>
+            <p:ph type="ftr" sz="quarter" idx="11"/>
+          </p:nvPr>
+        </p:nvSpPr>
+        <p:spPr/>
+        <p:txBody>
+          <a:bodyPr/>
+          <a:lstStyle/>
+          <a:p>
+            <a:r>
               <a:rPr lang="nl-BE"/>
-              <a:t>DEMO</a:t>
-            </a:r>
-            <a:endParaRPr lang="nl-BE" dirty="0"/>
+              <a:t>Technologiecampus Gent, Faculteit Industriele Ingenieurswetenschappen</a:t>
+            </a:r>
+            <a:endParaRPr lang="nl-NL"/>
+          </a:p>
+        </p:txBody>
+      </p:sp>
+      <p:sp>
+        <p:nvSpPr>
+          <p:cNvPr id="4" name="Tijdelijke aanduiding voor dianummer 3">
+            <a:extLst>
+              <a:ext uri="{FF2B5EF4-FFF2-40B4-BE49-F238E27FC236}">
+                <a16:creationId xmlns:a16="http://schemas.microsoft.com/office/drawing/2014/main" id="{C3DDAD35-4FD7-4390-A23C-EF3821EE7AFA}"/>
+              </a:ext>
+            </a:extLst>
+          </p:cNvPr>
+          <p:cNvSpPr>
+            <a:spLocks noGrp="1"/>
+          </p:cNvSpPr>
+          <p:nvPr>
+            <p:ph type="sldNum" sz="quarter" idx="12"/>
+          </p:nvPr>
+        </p:nvSpPr>
+        <p:spPr/>
+        <p:txBody>
+          <a:bodyPr/>
+          <a:lstStyle/>
+          <a:p>
+            <a:fld id="{0A297500-7527-634B-90F4-69D0994C32B4}" type="slidenum">
+              <a:rPr lang="nl-NL" smtClean="0"/>
+              <a:t>8</a:t>
+            </a:fld>
+            <a:endParaRPr lang="nl-NL"/>
+          </a:p>
+        </p:txBody>
+      </p:sp>
+      <p:sp>
+        <p:nvSpPr>
+          <p:cNvPr id="5" name="Titel 4">
+            <a:extLst>
+              <a:ext uri="{FF2B5EF4-FFF2-40B4-BE49-F238E27FC236}">
+                <a16:creationId xmlns:a16="http://schemas.microsoft.com/office/drawing/2014/main" id="{80B79DFF-0F3D-4AA5-83C8-AF2487939DDB}"/>
+              </a:ext>
+            </a:extLst>
+          </p:cNvPr>
+          <p:cNvSpPr>
+            <a:spLocks noGrp="1"/>
+          </p:cNvSpPr>
+          <p:nvPr>
+            <p:ph type="title"/>
+          </p:nvPr>
+        </p:nvSpPr>
+        <p:spPr/>
+        <p:txBody>
+          <a:bodyPr/>
+          <a:lstStyle/>
+          <a:p>
+            <a:r>
+              <a:rPr lang="nl-BE" dirty="0"/>
+              <a:t>REFLECTIE</a:t>
+            </a:r>
           </a:p>
         </p:txBody>
       </p:sp>
     </p:spTree>
     <p:extLst>
       <p:ext uri="{BB962C8B-B14F-4D97-AF65-F5344CB8AC3E}">
-        <p14:creationId xmlns:p14="http://schemas.microsoft.com/office/powerpoint/2010/main" val="4036357284"/>
+        <p14:creationId xmlns:p14="http://schemas.microsoft.com/office/powerpoint/2010/main" val="2546369121"/>
+      </p:ext>
+    </p:extLst>
+  </p:cSld>
+  <p:clrMapOvr>
+    <a:masterClrMapping/>
+  </p:clrMapOvr>
+</p:sld>
+</file>
+
+<file path=ppt/slides/slide9.xml><?xml version="1.0" encoding="utf-8"?>
+<p:sld xmlns:a="http://schemas.openxmlformats.org/drawingml/2006/main" xmlns:r="http://schemas.openxmlformats.org/officeDocument/2006/relationships" xmlns:p="http://schemas.openxmlformats.org/presentationml/2006/main">
+  <p:cSld>
+    <p:spTree>
+      <p:nvGrpSpPr>
+        <p:cNvPr id="1" name=""/>
+        <p:cNvGrpSpPr/>
+        <p:nvPr/>
+      </p:nvGrpSpPr>
+      <p:grpSpPr>
+        <a:xfrm>
+          <a:off x="0" y="0"/>
+          <a:ext cx="0" cy="0"/>
+          <a:chOff x="0" y="0"/>
+          <a:chExt cx="0" cy="0"/>
+        </a:xfrm>
+      </p:grpSpPr>
+      <p:sp>
+        <p:nvSpPr>
+          <p:cNvPr id="2" name="Tijdelijke aanduiding voor inhoud 1">
+            <a:extLst>
+              <a:ext uri="{FF2B5EF4-FFF2-40B4-BE49-F238E27FC236}">
+                <a16:creationId xmlns:a16="http://schemas.microsoft.com/office/drawing/2014/main" id="{B4547346-8989-4A37-B5F8-22E080A83D4C}"/>
+              </a:ext>
+            </a:extLst>
+          </p:cNvPr>
+          <p:cNvSpPr>
+            <a:spLocks noGrp="1"/>
+          </p:cNvSpPr>
+          <p:nvPr>
+            <p:ph idx="1"/>
+          </p:nvPr>
+        </p:nvSpPr>
+        <p:spPr/>
+        <p:txBody>
+          <a:bodyPr/>
+          <a:lstStyle/>
+          <a:p>
+            <a:r>
+              <a:rPr lang="nl-BE" dirty="0"/>
+              <a:t>Mogelijke uitbreidingen</a:t>
+            </a:r>
+          </a:p>
+          <a:p>
+            <a:pPr lvl="1"/>
+            <a:r>
+              <a:rPr lang="nl-BE" dirty="0"/>
+              <a:t>Verder spelen van een gestopt spel</a:t>
+            </a:r>
+          </a:p>
+          <a:p>
+            <a:pPr lvl="1"/>
+            <a:r>
+              <a:rPr lang="nl-BE" dirty="0"/>
+              <a:t>Spelen tegen een bot met verschillende niveaus </a:t>
+            </a:r>
+          </a:p>
+          <a:p>
+            <a:pPr lvl="1"/>
+            <a:r>
+              <a:rPr lang="nl-BE" dirty="0"/>
+              <a:t>Eigen regels toevoegen voor een </a:t>
+            </a:r>
+            <a:r>
+              <a:rPr lang="nl-BE"/>
+              <a:t>nieuw spel te maken</a:t>
+            </a:r>
+            <a:endParaRPr lang="nl-BE" dirty="0"/>
+          </a:p>
+          <a:p>
+            <a:pPr lvl="1"/>
+            <a:endParaRPr lang="nl-BE" dirty="0"/>
+          </a:p>
+        </p:txBody>
+      </p:sp>
+      <p:sp>
+        <p:nvSpPr>
+          <p:cNvPr id="3" name="Tijdelijke aanduiding voor voettekst 2">
+            <a:extLst>
+              <a:ext uri="{FF2B5EF4-FFF2-40B4-BE49-F238E27FC236}">
+                <a16:creationId xmlns:a16="http://schemas.microsoft.com/office/drawing/2014/main" id="{5F2C7F21-2FF6-40FC-BCBB-DC97070F91D0}"/>
+              </a:ext>
+            </a:extLst>
+          </p:cNvPr>
+          <p:cNvSpPr>
+            <a:spLocks noGrp="1"/>
+          </p:cNvSpPr>
+          <p:nvPr>
+            <p:ph type="ftr" sz="quarter" idx="11"/>
+          </p:nvPr>
+        </p:nvSpPr>
+        <p:spPr/>
+        <p:txBody>
+          <a:bodyPr/>
+          <a:lstStyle/>
+          <a:p>
+            <a:r>
+              <a:rPr lang="nl-BE"/>
+              <a:t>Technologiecampus Gent, Faculteit Industriele Ingenieurswetenschappen</a:t>
+            </a:r>
+            <a:endParaRPr lang="nl-NL"/>
+          </a:p>
+        </p:txBody>
+      </p:sp>
+      <p:sp>
+        <p:nvSpPr>
+          <p:cNvPr id="4" name="Tijdelijke aanduiding voor dianummer 3">
+            <a:extLst>
+              <a:ext uri="{FF2B5EF4-FFF2-40B4-BE49-F238E27FC236}">
+                <a16:creationId xmlns:a16="http://schemas.microsoft.com/office/drawing/2014/main" id="{C3DDAD35-4FD7-4390-A23C-EF3821EE7AFA}"/>
+              </a:ext>
+            </a:extLst>
+          </p:cNvPr>
+          <p:cNvSpPr>
+            <a:spLocks noGrp="1"/>
+          </p:cNvSpPr>
+          <p:nvPr>
+            <p:ph type="sldNum" sz="quarter" idx="12"/>
+          </p:nvPr>
+        </p:nvSpPr>
+        <p:spPr/>
+        <p:txBody>
+          <a:bodyPr/>
+          <a:lstStyle/>
+          <a:p>
+            <a:fld id="{0A297500-7527-634B-90F4-69D0994C32B4}" type="slidenum">
+              <a:rPr lang="nl-NL" smtClean="0"/>
+              <a:t>9</a:t>
+            </a:fld>
+            <a:endParaRPr lang="nl-NL"/>
+          </a:p>
+        </p:txBody>
+      </p:sp>
+      <p:sp>
+        <p:nvSpPr>
+          <p:cNvPr id="5" name="Titel 4">
+            <a:extLst>
+              <a:ext uri="{FF2B5EF4-FFF2-40B4-BE49-F238E27FC236}">
+                <a16:creationId xmlns:a16="http://schemas.microsoft.com/office/drawing/2014/main" id="{80B79DFF-0F3D-4AA5-83C8-AF2487939DDB}"/>
+              </a:ext>
+            </a:extLst>
+          </p:cNvPr>
+          <p:cNvSpPr>
+            <a:spLocks noGrp="1"/>
+          </p:cNvSpPr>
+          <p:nvPr>
+            <p:ph type="title"/>
+          </p:nvPr>
+        </p:nvSpPr>
+        <p:spPr/>
+        <p:txBody>
+          <a:bodyPr/>
+          <a:lstStyle/>
+          <a:p>
+            <a:r>
+              <a:rPr lang="nl-BE" dirty="0"/>
+              <a:t>REFLECTIE</a:t>
+            </a:r>
+          </a:p>
+        </p:txBody>
+      </p:sp>
+    </p:spTree>
+    <p:extLst>
+      <p:ext uri="{BB962C8B-B14F-4D97-AF65-F5344CB8AC3E}">
+        <p14:creationId xmlns:p14="http://schemas.microsoft.com/office/powerpoint/2010/main" val="837743808"/>
       </p:ext>
     </p:extLst>
   </p:cSld>

--- a/Documents/presentatie UNO.pptx
+++ b/Documents/presentatie UNO.pptx
@@ -6269,9 +6269,10 @@
           <a:lstStyle/>
           <a:p>
             <a:r>
-              <a:rPr lang="nl-BE" dirty="0"/>
-              <a:t>ARCHITECTUUR</a:t>
-            </a:r>
+              <a:rPr lang="nl-BE"/>
+              <a:t>ONTWERPBESLISSINGEN</a:t>
+            </a:r>
+            <a:endParaRPr lang="nl-BE" dirty="0"/>
           </a:p>
         </p:txBody>
       </p:sp>
@@ -6551,13 +6552,8 @@
             <a:pPr lvl="1"/>
             <a:r>
               <a:rPr lang="nl-BE" dirty="0"/>
-              <a:t>Eigen regels toevoegen voor een </a:t>
-            </a:r>
-            <a:r>
-              <a:rPr lang="nl-BE"/>
-              <a:t>nieuw spel te maken</a:t>
-            </a:r>
-            <a:endParaRPr lang="nl-BE" dirty="0"/>
+              <a:t>Eigen regels toevoegen voor een nieuw spel te maken</a:t>
+            </a:r>
           </a:p>
           <a:p>
             <a:pPr lvl="1"/>

--- a/Documents/presentatie UNO.pptx
+++ b/Documents/presentatie UNO.pptx
@@ -5857,10 +5857,10 @@
       </p:sp>
       <p:pic>
         <p:nvPicPr>
-          <p:cNvPr id="7" name="Afbeelding 6" descr="Afbeelding met schermafbeelding&#10;&#10;Beschrijving is gegenereerd met zeer hoge betrouwbaarheid">
+          <p:cNvPr id="9" name="Afbeelding 8" descr="Afbeelding met schermafbeelding&#10;&#10;Beschrijving is gegenereerd met zeer hoge betrouwbaarheid">
             <a:extLst>
               <a:ext uri="{FF2B5EF4-FFF2-40B4-BE49-F238E27FC236}">
-                <a16:creationId xmlns:a16="http://schemas.microsoft.com/office/drawing/2014/main" id="{6E6B1012-9BC4-4F15-A919-F3EFA55C9B5C}"/>
+                <a16:creationId xmlns:a16="http://schemas.microsoft.com/office/drawing/2014/main" id="{29E78167-EC6F-4820-B321-E226C46DA07B}"/>
               </a:ext>
             </a:extLst>
           </p:cNvPr>
@@ -5877,8 +5877,8 @@
         </p:blipFill>
         <p:spPr>
           <a:xfrm>
-            <a:off x="6235430" y="783036"/>
-            <a:ext cx="5381770" cy="5216763"/>
+            <a:off x="1505306" y="1359036"/>
+            <a:ext cx="9056587" cy="4603348"/>
           </a:xfrm>
           <a:prstGeom prst="rect">
             <a:avLst/>
@@ -6160,9 +6160,23 @@
             <a:pPr lvl="1"/>
             <a:r>
               <a:rPr lang="nl-BE" dirty="0" err="1"/>
-              <a:t>SessionToken</a:t>
-            </a:r>
-            <a:endParaRPr lang="nl-BE" dirty="0"/>
+              <a:t>Session</a:t>
+            </a:r>
+            <a:r>
+              <a:rPr lang="nl-BE" dirty="0"/>
+              <a:t> Token</a:t>
+            </a:r>
+          </a:p>
+          <a:p>
+            <a:pPr lvl="1"/>
+            <a:r>
+              <a:rPr lang="nl-BE" dirty="0" err="1"/>
+              <a:t>Player</a:t>
+            </a:r>
+            <a:r>
+              <a:rPr lang="nl-BE" dirty="0"/>
+              <a:t> vs. User</a:t>
+            </a:r>
           </a:p>
           <a:p>
             <a:endParaRPr lang="nl-BE" dirty="0"/>
